--- a/Teaching/Courses/W25/CIS500/LectureNotes/cis500_intro.pptx
+++ b/Teaching/Courses/W25/CIS500/LectureNotes/cis500_intro.pptx
@@ -213,7 +213,7 @@
           <a:p>
             <a:fld id="{C5550B23-F2F9-6C46-BE63-8055E7940DE8}" type="datetimeFigureOut">
               <a:rPr lang="en-US" smtClean="0"/>
-              <a:t>8/26/24</a:t>
+              <a:t>1/6/25</a:t>
             </a:fld>
             <a:endParaRPr lang="en-US"/>
           </a:p>
@@ -711,7 +711,7 @@
           <a:p>
             <a:fld id="{E1D8FA4E-4CD5-0B4E-B010-1DCF501BAA5F}" type="datetimeFigureOut">
               <a:rPr lang="en-US" smtClean="0"/>
-              <a:t>8/26/24</a:t>
+              <a:t>1/6/25</a:t>
             </a:fld>
             <a:endParaRPr lang="en-US"/>
           </a:p>
@@ -909,7 +909,7 @@
           <a:p>
             <a:fld id="{E1D8FA4E-4CD5-0B4E-B010-1DCF501BAA5F}" type="datetimeFigureOut">
               <a:rPr lang="en-US" smtClean="0"/>
-              <a:t>8/26/24</a:t>
+              <a:t>1/6/25</a:t>
             </a:fld>
             <a:endParaRPr lang="en-US"/>
           </a:p>
@@ -1117,7 +1117,7 @@
           <a:p>
             <a:fld id="{E1D8FA4E-4CD5-0B4E-B010-1DCF501BAA5F}" type="datetimeFigureOut">
               <a:rPr lang="en-US" smtClean="0"/>
-              <a:t>8/26/24</a:t>
+              <a:t>1/6/25</a:t>
             </a:fld>
             <a:endParaRPr lang="en-US"/>
           </a:p>
@@ -1315,7 +1315,7 @@
           <a:p>
             <a:fld id="{E1D8FA4E-4CD5-0B4E-B010-1DCF501BAA5F}" type="datetimeFigureOut">
               <a:rPr lang="en-US" smtClean="0"/>
-              <a:t>8/26/24</a:t>
+              <a:t>1/6/25</a:t>
             </a:fld>
             <a:endParaRPr lang="en-US"/>
           </a:p>
@@ -1590,7 +1590,7 @@
           <a:p>
             <a:fld id="{E1D8FA4E-4CD5-0B4E-B010-1DCF501BAA5F}" type="datetimeFigureOut">
               <a:rPr lang="en-US" smtClean="0"/>
-              <a:t>8/26/24</a:t>
+              <a:t>1/6/25</a:t>
             </a:fld>
             <a:endParaRPr lang="en-US"/>
           </a:p>
@@ -1855,7 +1855,7 @@
           <a:p>
             <a:fld id="{E1D8FA4E-4CD5-0B4E-B010-1DCF501BAA5F}" type="datetimeFigureOut">
               <a:rPr lang="en-US" smtClean="0"/>
-              <a:t>8/26/24</a:t>
+              <a:t>1/6/25</a:t>
             </a:fld>
             <a:endParaRPr lang="en-US"/>
           </a:p>
@@ -2267,7 +2267,7 @@
           <a:p>
             <a:fld id="{E1D8FA4E-4CD5-0B4E-B010-1DCF501BAA5F}" type="datetimeFigureOut">
               <a:rPr lang="en-US" smtClean="0"/>
-              <a:t>8/26/24</a:t>
+              <a:t>1/6/25</a:t>
             </a:fld>
             <a:endParaRPr lang="en-US"/>
           </a:p>
@@ -2408,7 +2408,7 @@
           <a:p>
             <a:fld id="{E1D8FA4E-4CD5-0B4E-B010-1DCF501BAA5F}" type="datetimeFigureOut">
               <a:rPr lang="en-US" smtClean="0"/>
-              <a:t>8/26/24</a:t>
+              <a:t>1/6/25</a:t>
             </a:fld>
             <a:endParaRPr lang="en-US"/>
           </a:p>
@@ -2521,7 +2521,7 @@
           <a:p>
             <a:fld id="{E1D8FA4E-4CD5-0B4E-B010-1DCF501BAA5F}" type="datetimeFigureOut">
               <a:rPr lang="en-US" smtClean="0"/>
-              <a:t>8/26/24</a:t>
+              <a:t>1/6/25</a:t>
             </a:fld>
             <a:endParaRPr lang="en-US"/>
           </a:p>
@@ -2832,7 +2832,7 @@
           <a:p>
             <a:fld id="{E1D8FA4E-4CD5-0B4E-B010-1DCF501BAA5F}" type="datetimeFigureOut">
               <a:rPr lang="en-US" smtClean="0"/>
-              <a:t>8/26/24</a:t>
+              <a:t>1/6/25</a:t>
             </a:fld>
             <a:endParaRPr lang="en-US"/>
           </a:p>
@@ -3120,7 +3120,7 @@
           <a:p>
             <a:fld id="{E1D8FA4E-4CD5-0B4E-B010-1DCF501BAA5F}" type="datetimeFigureOut">
               <a:rPr lang="en-US" smtClean="0"/>
-              <a:t>8/26/24</a:t>
+              <a:t>1/6/25</a:t>
             </a:fld>
             <a:endParaRPr lang="en-US"/>
           </a:p>
@@ -3361,7 +3361,7 @@
           <a:p>
             <a:fld id="{E1D8FA4E-4CD5-0B4E-B010-1DCF501BAA5F}" type="datetimeFigureOut">
               <a:rPr lang="en-US" smtClean="0"/>
-              <a:t>8/26/24</a:t>
+              <a:t>1/6/25</a:t>
             </a:fld>
             <a:endParaRPr lang="en-US"/>
           </a:p>
@@ -5732,18 +5732,14 @@
             <a:pPr lvl="1"/>
             <a:r>
               <a:rPr lang="en-US" dirty="0"/>
-              <a:t>MW 1:00-1:30, DCIH 530G</a:t>
+              <a:t>MW 3:00-4:00, DCIH 530G (Downtown)</a:t>
             </a:r>
           </a:p>
           <a:p>
             <a:pPr lvl="1"/>
             <a:r>
-              <a:rPr lang="en-US" dirty="0" err="1"/>
-              <a:t>TTh</a:t>
-            </a:r>
-            <a:r>
-              <a:rPr lang="en-US" dirty="0"/>
-              <a:t> 4:00-5:00, DCIH 530G</a:t>
+              <a:rPr lang="en-US" dirty="0"/>
+              <a:t>MW 11:00-12:0, MAK C-2-316 (Allendale)</a:t>
             </a:r>
           </a:p>
           <a:p>
@@ -6394,7 +6390,31 @@
                 <a:cs typeface="Courier New" panose="02070309020205020404" pitchFamily="49" charset="0"/>
                 <a:hlinkClick r:id="rId3"/>
               </a:rPr>
-              <a:t>https://kurmasgvsu.github.io/Teaching/Courses/F24/CIS500/</a:t>
+              <a:t>https://kurmasgvsu.github.io/Teaching/</a:t>
+            </a:r>
+            <a:r>
+              <a:rPr lang="en-US" b="0">
+                <a:solidFill>
+                  <a:srgbClr val="000000"/>
+                </a:solidFill>
+                <a:effectLst/>
+                <a:latin typeface="Courier New" panose="02070309020205020404" pitchFamily="49" charset="0"/>
+                <a:cs typeface="Courier New" panose="02070309020205020404" pitchFamily="49" charset="0"/>
+                <a:hlinkClick r:id="rId3"/>
+              </a:rPr>
+              <a:t>Courses/W25/</a:t>
+            </a:r>
+            <a:r>
+              <a:rPr lang="en-US" b="0" dirty="0">
+                <a:solidFill>
+                  <a:srgbClr val="000000"/>
+                </a:solidFill>
+                <a:effectLst/>
+                <a:latin typeface="Courier New" panose="02070309020205020404" pitchFamily="49" charset="0"/>
+                <a:cs typeface="Courier New" panose="02070309020205020404" pitchFamily="49" charset="0"/>
+                <a:hlinkClick r:id="rId3"/>
+              </a:rPr>
+              <a:t>CIS500/</a:t>
             </a:r>
             <a:endParaRPr lang="en-US" b="0" dirty="0">
               <a:solidFill>
@@ -7137,7 +7157,7 @@
               <a:rPr lang="en-US" sz="2400" dirty="0">
                 <a:hlinkClick r:id="rId3"/>
               </a:rPr>
-              <a:t>https://us.prairielearn.com/pl/course_instance/154954</a:t>
+              <a:t>https://us.prairielearn.com/pl/course_instance/169211</a:t>
             </a:r>
             <a:endParaRPr lang="en-US" sz="2400" dirty="0"/>
           </a:p>
@@ -7761,7 +7781,39 @@
                 <a:latin typeface="Courier New" panose="02070309020205020404" pitchFamily="49" charset="0"/>
                 <a:cs typeface="Courier New" panose="02070309020205020404" pitchFamily="49" charset="0"/>
               </a:rPr>
-              <a:t>gvsu_foppff_fall24 </a:t>
+              <a:t>gvsu_</a:t>
+            </a:r>
+            <a:r>
+              <a:rPr lang="en-US" b="0" i="0" u="none" strike="noStrike">
+                <a:solidFill>
+                  <a:srgbClr val="212529"/>
+                </a:solidFill>
+                <a:effectLst/>
+                <a:latin typeface="Courier New" panose="02070309020205020404" pitchFamily="49" charset="0"/>
+                <a:cs typeface="Courier New" panose="02070309020205020404" pitchFamily="49" charset="0"/>
+              </a:rPr>
+              <a:t>foppff_</a:t>
+            </a:r>
+            <a:r>
+              <a:rPr lang="en-US">
+                <a:solidFill>
+                  <a:srgbClr val="212529"/>
+                </a:solidFill>
+                <a:latin typeface="Courier New" panose="02070309020205020404" pitchFamily="49" charset="0"/>
+                <a:cs typeface="Courier New" panose="02070309020205020404" pitchFamily="49" charset="0"/>
+              </a:rPr>
+              <a:t>w</a:t>
+            </a:r>
+            <a:r>
+              <a:rPr lang="en-US" b="0" i="0" u="none" strike="noStrike">
+                <a:solidFill>
+                  <a:srgbClr val="212529"/>
+                </a:solidFill>
+                <a:effectLst/>
+                <a:latin typeface="Courier New" panose="02070309020205020404" pitchFamily="49" charset="0"/>
+                <a:cs typeface="Courier New" panose="02070309020205020404" pitchFamily="49" charset="0"/>
+              </a:rPr>
+              <a:t>25 </a:t>
             </a:r>
             <a:r>
               <a:rPr lang="en-US" dirty="0"/>
